--- a/Straipsnis/Pristatymas.pptx
+++ b/Straipsnis/Pristatymas.pptx
@@ -10339,8 +10339,8 @@
           </a:p>
         </p:txBody>
       </p:sp>
-      <mc:AlternateContent xmlns:mc="http://schemas.openxmlformats.org/markup-compatibility/2006">
-        <mc:Choice xmlns:a14="http://schemas.microsoft.com/office/drawing/2010/main" Requires="a14">
+      <mc:AlternateContent xmlns:mc="http://schemas.openxmlformats.org/markup-compatibility/2006" xmlns:a14="http://schemas.microsoft.com/office/drawing/2010/main">
+        <mc:Choice Requires="a14">
           <p:sp>
             <p:nvSpPr>
               <p:cNvPr id="5" name="TextBox 4">
@@ -10707,7 +10707,7 @@
             </p:txBody>
           </p:sp>
         </mc:Choice>
-        <mc:Fallback>
+        <mc:Fallback xmlns="">
           <p:sp>
             <p:nvSpPr>
               <p:cNvPr id="5" name="TextBox 4">
@@ -10752,8 +10752,8 @@
           </p:sp>
         </mc:Fallback>
       </mc:AlternateContent>
-      <mc:AlternateContent xmlns:mc="http://schemas.openxmlformats.org/markup-compatibility/2006">
-        <mc:Choice xmlns:a14="http://schemas.microsoft.com/office/drawing/2010/main" Requires="a14">
+      <mc:AlternateContent xmlns:mc="http://schemas.openxmlformats.org/markup-compatibility/2006" xmlns:a14="http://schemas.microsoft.com/office/drawing/2010/main">
+        <mc:Choice Requires="a14">
           <p:sp>
             <p:nvSpPr>
               <p:cNvPr id="6" name="TextBox 5">
@@ -10782,6 +10782,7 @@
               </a:bodyPr>
               <a:lstStyle/>
               <a:p>
+                <a:pPr/>
                 <a14:m>
                   <m:oMathPara xmlns:m="http://schemas.openxmlformats.org/officeDocument/2006/math">
                     <m:oMathParaPr>
@@ -11177,7 +11178,7 @@
             </p:txBody>
           </p:sp>
         </mc:Choice>
-        <mc:Fallback>
+        <mc:Fallback xmlns="">
           <p:sp>
             <p:nvSpPr>
               <p:cNvPr id="6" name="TextBox 5">
@@ -11687,8 +11688,8 @@
           </a:p>
         </p:txBody>
       </p:sp>
-      <mc:AlternateContent xmlns:mc="http://schemas.openxmlformats.org/markup-compatibility/2006">
-        <mc:Choice xmlns:a14="http://schemas.microsoft.com/office/drawing/2010/main" Requires="a14">
+      <mc:AlternateContent xmlns:mc="http://schemas.openxmlformats.org/markup-compatibility/2006" xmlns:a14="http://schemas.microsoft.com/office/drawing/2010/main">
+        <mc:Choice Requires="a14">
           <p:sp>
             <p:nvSpPr>
               <p:cNvPr id="3" name="Text Placeholder 2"/>
@@ -12193,7 +12194,7 @@
             </p:txBody>
           </p:sp>
         </mc:Choice>
-        <mc:Fallback>
+        <mc:Fallback xmlns="">
           <p:sp>
             <p:nvSpPr>
               <p:cNvPr id="3" name="Text Placeholder 2"/>
@@ -12227,8 +12228,8 @@
           </p:sp>
         </mc:Fallback>
       </mc:AlternateContent>
-      <mc:AlternateContent xmlns:mc="http://schemas.openxmlformats.org/markup-compatibility/2006">
-        <mc:Choice xmlns:a14="http://schemas.microsoft.com/office/drawing/2010/main" Requires="a14">
+      <mc:AlternateContent xmlns:mc="http://schemas.openxmlformats.org/markup-compatibility/2006" xmlns:a14="http://schemas.microsoft.com/office/drawing/2010/main">
+        <mc:Choice Requires="a14">
           <p:sp>
             <p:nvSpPr>
               <p:cNvPr id="5" name="TextBox 4">
@@ -12407,7 +12408,7 @@
             </p:txBody>
           </p:sp>
         </mc:Choice>
-        <mc:Fallback>
+        <mc:Fallback xmlns="">
           <p:sp>
             <p:nvSpPr>
               <p:cNvPr id="5" name="TextBox 4">
@@ -12452,8 +12453,8 @@
           </p:sp>
         </mc:Fallback>
       </mc:AlternateContent>
-      <mc:AlternateContent xmlns:mc="http://schemas.openxmlformats.org/markup-compatibility/2006">
-        <mc:Choice xmlns:a14="http://schemas.microsoft.com/office/drawing/2010/main" Requires="a14">
+      <mc:AlternateContent xmlns:mc="http://schemas.openxmlformats.org/markup-compatibility/2006" xmlns:a14="http://schemas.microsoft.com/office/drawing/2010/main">
+        <mc:Choice Requires="a14">
           <p:sp>
             <p:nvSpPr>
               <p:cNvPr id="7" name="TextBox 6">
@@ -12531,7 +12532,7 @@
             </p:txBody>
           </p:sp>
         </mc:Choice>
-        <mc:Fallback>
+        <mc:Fallback xmlns="">
           <p:sp>
             <p:nvSpPr>
               <p:cNvPr id="7" name="TextBox 6">
@@ -12720,8 +12721,8 @@
           </a:p>
         </p:txBody>
       </p:sp>
-      <mc:AlternateContent xmlns:mc="http://schemas.openxmlformats.org/markup-compatibility/2006">
-        <mc:Choice xmlns:a14="http://schemas.microsoft.com/office/drawing/2010/main" Requires="a14">
+      <mc:AlternateContent xmlns:mc="http://schemas.openxmlformats.org/markup-compatibility/2006" xmlns:a14="http://schemas.microsoft.com/office/drawing/2010/main">
+        <mc:Choice Requires="a14">
           <p:sp>
             <p:nvSpPr>
               <p:cNvPr id="12" name="TextBox 11">
@@ -12902,7 +12903,7 @@
             </p:txBody>
           </p:sp>
         </mc:Choice>
-        <mc:Fallback>
+        <mc:Fallback xmlns="">
           <p:sp>
             <p:nvSpPr>
               <p:cNvPr id="12" name="TextBox 11">

--- a/Straipsnis/Pristatymas.pptx
+++ b/Straipsnis/Pristatymas.pptx
@@ -10029,7 +10029,181 @@
           <a:bodyPr/>
           <a:lstStyle/>
           <a:p>
-            <a:endParaRPr lang="en-US" dirty="0"/>
+            <a:r>
+              <a:rPr lang="en-US" b="1" dirty="0">
+                <a:solidFill>
+                  <a:schemeClr val="accent3"/>
+                </a:solidFill>
+                <a:effectLst/>
+                <a:latin typeface="Arial" panose="020B0604020202020204" pitchFamily="34" charset="0"/>
+              </a:rPr>
+              <a:t>[1] </a:t>
+            </a:r>
+            <a:r>
+              <a:rPr lang="en-US" dirty="0">
+                <a:solidFill>
+                  <a:schemeClr val="accent3"/>
+                </a:solidFill>
+                <a:effectLst/>
+                <a:latin typeface="Arial" panose="020B0604020202020204" pitchFamily="34" charset="0"/>
+              </a:rPr>
+              <a:t>Patricia </a:t>
+            </a:r>
+            <a:r>
+              <a:rPr lang="en-US" dirty="0" err="1">
+                <a:solidFill>
+                  <a:schemeClr val="accent3"/>
+                </a:solidFill>
+                <a:effectLst/>
+                <a:latin typeface="Arial" panose="020B0604020202020204" pitchFamily="34" charset="0"/>
+              </a:rPr>
+              <a:t>Thaine</a:t>
+            </a:r>
+            <a:r>
+              <a:rPr lang="en-US" dirty="0">
+                <a:solidFill>
+                  <a:schemeClr val="accent3"/>
+                </a:solidFill>
+                <a:effectLst/>
+                <a:latin typeface="Arial" panose="020B0604020202020204" pitchFamily="34" charset="0"/>
+              </a:rPr>
+              <a:t>. Perfectly privacy-preserving ai, 01 2020</a:t>
+            </a:r>
+          </a:p>
+          <a:p>
+            <a:r>
+              <a:rPr lang="en-US" b="1" dirty="0">
+                <a:solidFill>
+                  <a:schemeClr val="accent3"/>
+                </a:solidFill>
+                <a:latin typeface="Arial" panose="020B0604020202020204" pitchFamily="34" charset="0"/>
+              </a:rPr>
+              <a:t>[2] </a:t>
+            </a:r>
+            <a:r>
+              <a:rPr lang="en-US" dirty="0">
+                <a:solidFill>
+                  <a:schemeClr val="accent3"/>
+                </a:solidFill>
+                <a:latin typeface="Arial" panose="020B0604020202020204" pitchFamily="34" charset="0"/>
+              </a:rPr>
+              <a:t>Ni</a:t>
+            </a:r>
+            <a:r>
+              <a:rPr lang="en-US" dirty="0">
+                <a:solidFill>
+                  <a:schemeClr val="accent3"/>
+                </a:solidFill>
+                <a:effectLst/>
+                <a:latin typeface="Arial" panose="020B0604020202020204" pitchFamily="34" charset="0"/>
+              </a:rPr>
+              <a:t>cholas </a:t>
+            </a:r>
+            <a:r>
+              <a:rPr lang="en-US" dirty="0" err="1">
+                <a:solidFill>
+                  <a:schemeClr val="accent3"/>
+                </a:solidFill>
+                <a:effectLst/>
+                <a:latin typeface="Arial" panose="020B0604020202020204" pitchFamily="34" charset="0"/>
+              </a:rPr>
+              <a:t>Carlini</a:t>
+            </a:r>
+            <a:r>
+              <a:rPr lang="en-US" dirty="0">
+                <a:solidFill>
+                  <a:schemeClr val="accent3"/>
+                </a:solidFill>
+                <a:effectLst/>
+                <a:latin typeface="Arial" panose="020B0604020202020204" pitchFamily="34" charset="0"/>
+              </a:rPr>
+              <a:t>, Chang Liu, </a:t>
+            </a:r>
+            <a:r>
+              <a:rPr lang="en-US" dirty="0" err="1">
+                <a:solidFill>
+                  <a:schemeClr val="accent3"/>
+                </a:solidFill>
+                <a:effectLst/>
+                <a:latin typeface="Arial" panose="020B0604020202020204" pitchFamily="34" charset="0"/>
+              </a:rPr>
+              <a:t>Ulfar</a:t>
+            </a:r>
+            <a:r>
+              <a:rPr lang="en-US" dirty="0">
+                <a:solidFill>
+                  <a:schemeClr val="accent3"/>
+                </a:solidFill>
+                <a:effectLst/>
+                <a:latin typeface="Arial" panose="020B0604020202020204" pitchFamily="34" charset="0"/>
+              </a:rPr>
+              <a:t> </a:t>
+            </a:r>
+            <a:r>
+              <a:rPr lang="en-US" dirty="0" err="1">
+                <a:solidFill>
+                  <a:schemeClr val="accent3"/>
+                </a:solidFill>
+                <a:effectLst/>
+                <a:latin typeface="Arial" panose="020B0604020202020204" pitchFamily="34" charset="0"/>
+              </a:rPr>
+              <a:t>Erlingsson</a:t>
+            </a:r>
+            <a:r>
+              <a:rPr lang="en-US" dirty="0">
+                <a:solidFill>
+                  <a:schemeClr val="accent3"/>
+                </a:solidFill>
+                <a:effectLst/>
+                <a:latin typeface="Arial" panose="020B0604020202020204" pitchFamily="34" charset="0"/>
+              </a:rPr>
+              <a:t>, </a:t>
+            </a:r>
+            <a:r>
+              <a:rPr lang="en-US" dirty="0" err="1">
+                <a:solidFill>
+                  <a:schemeClr val="accent3"/>
+                </a:solidFill>
+                <a:effectLst/>
+                <a:latin typeface="Arial" panose="020B0604020202020204" pitchFamily="34" charset="0"/>
+              </a:rPr>
+              <a:t>Jernej</a:t>
+            </a:r>
+            <a:r>
+              <a:rPr lang="en-US" dirty="0">
+                <a:solidFill>
+                  <a:schemeClr val="accent3"/>
+                </a:solidFill>
+                <a:effectLst/>
+                <a:latin typeface="Arial" panose="020B0604020202020204" pitchFamily="34" charset="0"/>
+              </a:rPr>
+              <a:t> Kos, and Dawn Song.   The </a:t>
+            </a:r>
+            <a:r>
+              <a:rPr lang="en-US" dirty="0" err="1">
+                <a:solidFill>
+                  <a:schemeClr val="accent3"/>
+                </a:solidFill>
+                <a:effectLst/>
+                <a:latin typeface="Arial" panose="020B0604020202020204" pitchFamily="34" charset="0"/>
+              </a:rPr>
+              <a:t>secretsharer</a:t>
+            </a:r>
+            <a:r>
+              <a:rPr lang="en-US" dirty="0">
+                <a:solidFill>
+                  <a:schemeClr val="accent3"/>
+                </a:solidFill>
+                <a:effectLst/>
+                <a:latin typeface="Arial" panose="020B0604020202020204" pitchFamily="34" charset="0"/>
+              </a:rPr>
+              <a:t>: Evaluating and testing unintended memorization in neural networks, 2019.</a:t>
+            </a:r>
+            <a:endParaRPr lang="en-US" dirty="0">
+              <a:solidFill>
+                <a:schemeClr val="accent3"/>
+              </a:solidFill>
+            </a:endParaRPr>
           </a:p>
         </p:txBody>
       </p:sp>
@@ -10210,6 +10384,26 @@
               </a:rPr>
               <a:t>Turint sukurtą modelį, neturi būti galima atgaminti duomenų, pagal kuriuos jis buvo mokomas, bei negali būti identifikuoti asmenys. </a:t>
             </a:r>
+            <a:r>
+              <a:rPr lang="en-US" dirty="0">
+                <a:solidFill>
+                  <a:schemeClr val="accent3"/>
+                </a:solidFill>
+                <a:effectLst/>
+                <a:latin typeface="Calibri" panose="020F0502020204030204" pitchFamily="34" charset="0"/>
+                <a:cs typeface="Calibri" panose="020F0502020204030204" pitchFamily="34" charset="0"/>
+              </a:rPr>
+              <a:t>[1]</a:t>
+            </a:r>
+            <a:endParaRPr lang="lt-LT" dirty="0">
+              <a:solidFill>
+                <a:schemeClr val="accent3"/>
+              </a:solidFill>
+              <a:effectLst/>
+              <a:latin typeface="Calibri" panose="020F0502020204030204" pitchFamily="34" charset="0"/>
+              <a:ea typeface="Calibri" panose="020F0502020204030204" pitchFamily="34" charset="0"/>
+              <a:cs typeface="Calibri" panose="020F0502020204030204" pitchFamily="34" charset="0"/>
+            </a:endParaRPr>
           </a:p>
           <a:p>
             <a:pPr marL="342900" indent="-342900">
@@ -11311,6 +11505,34 @@
               </a:rPr>
               <a:t> sunkiai apskaičiuojamo rango.</a:t>
             </a:r>
+            <a:r>
+              <a:rPr lang="en-US" sz="2000" dirty="0">
+                <a:solidFill>
+                  <a:schemeClr val="accent3"/>
+                </a:solidFill>
+                <a:latin typeface="Calibri" panose="020F0502020204030204" pitchFamily="34" charset="0"/>
+                <a:cs typeface="Calibri" panose="020F0502020204030204" pitchFamily="34" charset="0"/>
+              </a:rPr>
+              <a:t> </a:t>
+            </a:r>
+            <a:r>
+              <a:rPr lang="en-US" sz="2000" dirty="0">
+                <a:solidFill>
+                  <a:schemeClr val="accent3"/>
+                </a:solidFill>
+                <a:effectLst/>
+                <a:latin typeface="Calibri" panose="020F0502020204030204" pitchFamily="34" charset="0"/>
+                <a:cs typeface="Calibri" panose="020F0502020204030204" pitchFamily="34" charset="0"/>
+              </a:rPr>
+              <a:t>[2]</a:t>
+            </a:r>
+            <a:endParaRPr lang="lt-LT" sz="2000" dirty="0">
+              <a:solidFill>
+                <a:schemeClr val="accent3"/>
+              </a:solidFill>
+              <a:latin typeface="Calibri" panose="020F0502020204030204" pitchFamily="34" charset="0"/>
+              <a:cs typeface="Calibri" panose="020F0502020204030204" pitchFamily="34" charset="0"/>
+            </a:endParaRPr>
           </a:p>
           <a:p>
             <a:endParaRPr lang="lt-LT" sz="2000" dirty="0">
@@ -11433,8 +11655,8 @@
         </p:nvSpPr>
         <p:spPr>
           <a:xfrm>
-            <a:off x="6515834" y="3156437"/>
-            <a:ext cx="5485665" cy="1600438"/>
+            <a:off x="6515836" y="3156437"/>
+            <a:ext cx="5485663" cy="1908215"/>
           </a:xfrm>
           <a:prstGeom prst="rect">
             <a:avLst/>
@@ -11457,6 +11679,34 @@
               </a:rPr>
               <a:t>Dėl grafinės interpretacijos naudojama praktikoje.</a:t>
             </a:r>
+            <a:r>
+              <a:rPr lang="en-US" sz="2000" dirty="0">
+                <a:solidFill>
+                  <a:schemeClr val="accent3"/>
+                </a:solidFill>
+                <a:latin typeface="Calibri" panose="020F0502020204030204" pitchFamily="34" charset="0"/>
+                <a:cs typeface="Calibri" panose="020F0502020204030204" pitchFamily="34" charset="0"/>
+              </a:rPr>
+              <a:t> </a:t>
+            </a:r>
+            <a:r>
+              <a:rPr lang="en-US" sz="2000" dirty="0">
+                <a:solidFill>
+                  <a:schemeClr val="accent3"/>
+                </a:solidFill>
+                <a:effectLst/>
+                <a:latin typeface="Calibri" panose="020F0502020204030204" pitchFamily="34" charset="0"/>
+                <a:cs typeface="Calibri" panose="020F0502020204030204" pitchFamily="34" charset="0"/>
+              </a:rPr>
+              <a:t>[2]</a:t>
+            </a:r>
+            <a:endParaRPr lang="lt-LT" sz="2000" dirty="0">
+              <a:solidFill>
+                <a:schemeClr val="accent3"/>
+              </a:solidFill>
+              <a:latin typeface="Calibri" panose="020F0502020204030204" pitchFamily="34" charset="0"/>
+              <a:cs typeface="Calibri" panose="020F0502020204030204" pitchFamily="34" charset="0"/>
+            </a:endParaRPr>
           </a:p>
           <a:p>
             <a:endParaRPr lang="lt-LT" sz="2000" dirty="0">

--- a/Straipsnis/Pristatymas.pptx
+++ b/Straipsnis/Pristatymas.pptx
@@ -16,9 +16,8 @@
     <p:sldId id="310" r:id="rId10"/>
     <p:sldId id="309" r:id="rId11"/>
     <p:sldId id="311" r:id="rId12"/>
-    <p:sldId id="307" r:id="rId13"/>
-    <p:sldId id="312" r:id="rId14"/>
-    <p:sldId id="308" r:id="rId15"/>
+    <p:sldId id="312" r:id="rId13"/>
+    <p:sldId id="308" r:id="rId14"/>
   </p:sldIdLst>
   <p:sldSz cx="12192000" cy="6858000"/>
   <p:notesSz cx="6858000" cy="9144000"/>
@@ -9499,89 +9498,6 @@
           <a:p>
             <a:r>
               <a:rPr lang="lt-LT" dirty="0"/>
-              <a:t>Rezultatai</a:t>
-            </a:r>
-            <a:endParaRPr lang="en-US" dirty="0"/>
-          </a:p>
-        </p:txBody>
-      </p:sp>
-      <p:pic>
-        <p:nvPicPr>
-          <p:cNvPr id="5" name="Picture 4">
-            <a:extLst>
-              <a:ext uri="{FF2B5EF4-FFF2-40B4-BE49-F238E27FC236}">
-                <a16:creationId xmlns:a16="http://schemas.microsoft.com/office/drawing/2014/main" id="{5B5A91D1-7033-4597-8DA9-992B6E85FCEA}"/>
-              </a:ext>
-            </a:extLst>
-          </p:cNvPr>
-          <p:cNvPicPr>
-            <a:picLocks noChangeAspect="1"/>
-          </p:cNvPicPr>
-          <p:nvPr/>
-        </p:nvPicPr>
-        <p:blipFill>
-          <a:blip r:embed="rId2"/>
-          <a:stretch>
-            <a:fillRect/>
-          </a:stretch>
-        </p:blipFill>
-        <p:spPr>
-          <a:xfrm>
-            <a:off x="2885627" y="2423972"/>
-            <a:ext cx="6420746" cy="2010056"/>
-          </a:xfrm>
-          <a:prstGeom prst="rect">
-            <a:avLst/>
-          </a:prstGeom>
-        </p:spPr>
-      </p:pic>
-    </p:spTree>
-    <p:extLst>
-      <p:ext uri="{BB962C8B-B14F-4D97-AF65-F5344CB8AC3E}">
-        <p14:creationId xmlns:p14="http://schemas.microsoft.com/office/powerpoint/2010/main" val="1995141938"/>
-      </p:ext>
-    </p:extLst>
-  </p:cSld>
-  <p:clrMapOvr>
-    <a:masterClrMapping/>
-  </p:clrMapOvr>
-</p:sld>
-</file>
-
-<file path=ppt/slides/slide12.xml><?xml version="1.0" encoding="utf-8"?>
-<p:sld xmlns:a="http://schemas.openxmlformats.org/drawingml/2006/main" xmlns:r="http://schemas.openxmlformats.org/officeDocument/2006/relationships" xmlns:p="http://schemas.openxmlformats.org/presentationml/2006/main">
-  <p:cSld>
-    <p:spTree>
-      <p:nvGrpSpPr>
-        <p:cNvPr id="1" name=""/>
-        <p:cNvGrpSpPr/>
-        <p:nvPr/>
-      </p:nvGrpSpPr>
-      <p:grpSpPr>
-        <a:xfrm>
-          <a:off x="0" y="0"/>
-          <a:ext cx="0" cy="0"/>
-          <a:chOff x="0" y="0"/>
-          <a:chExt cx="0" cy="0"/>
-        </a:xfrm>
-      </p:grpSpPr>
-      <p:sp>
-        <p:nvSpPr>
-          <p:cNvPr id="2" name="Title 1"/>
-          <p:cNvSpPr>
-            <a:spLocks noGrp="1"/>
-          </p:cNvSpPr>
-          <p:nvPr>
-            <p:ph type="title"/>
-          </p:nvPr>
-        </p:nvSpPr>
-        <p:spPr/>
-        <p:txBody>
-          <a:bodyPr/>
-          <a:lstStyle/>
-          <a:p>
-            <a:r>
-              <a:rPr lang="lt-LT" dirty="0"/>
               <a:t>Išvados</a:t>
             </a:r>
             <a:endParaRPr lang="en-US" dirty="0"/>
@@ -9616,345 +9532,76 @@
           </a:bodyPr>
           <a:lstStyle/>
           <a:p>
-            <a:pPr algn="just"/>
+            <a:pPr marL="342900" indent="-342900" algn="just">
+              <a:buFont typeface="Arial" panose="020B0604020202020204" pitchFamily="34" charset="0"/>
+              <a:buChar char="•"/>
+            </a:pPr>
             <a:r>
               <a:rPr lang="lt-LT" sz="2400" dirty="0">
+                <a:solidFill>
+                  <a:schemeClr val="accent3"/>
+                </a:solidFill>
                 <a:effectLst/>
                 <a:latin typeface="Calibri" panose="020F0502020204030204" pitchFamily="34" charset="0"/>
                 <a:cs typeface="Calibri" panose="020F0502020204030204" pitchFamily="34" charset="0"/>
               </a:rPr>
-              <a:t>T</a:t>
-            </a:r>
-            <a:r>
-              <a:rPr lang="en-US" sz="2400" dirty="0" err="1">
+              <a:t>Esant aukštam modelio tikslumui, rekomenduojama naudoti homomorfinį šifravimą. Esant mažesniam, nei 70% tikslumui, rekomenduojama naudoti PyTorch neuroninius tinklus.</a:t>
+            </a:r>
+          </a:p>
+          <a:p>
+            <a:pPr marL="342900" indent="-342900" algn="just">
+              <a:buFont typeface="Arial" panose="020B0604020202020204" pitchFamily="34" charset="0"/>
+              <a:buChar char="•"/>
+            </a:pPr>
+            <a:r>
+              <a:rPr lang="lt-LT" sz="2400" dirty="0">
+                <a:solidFill>
+                  <a:schemeClr val="accent3"/>
+                </a:solidFill>
                 <a:effectLst/>
                 <a:latin typeface="Calibri" panose="020F0502020204030204" pitchFamily="34" charset="0"/>
                 <a:cs typeface="Calibri" panose="020F0502020204030204" pitchFamily="34" charset="0"/>
               </a:rPr>
-              <a:t>ikintis</a:t>
-            </a:r>
-            <a:r>
-              <a:rPr lang="en-US" sz="2400" dirty="0">
+              <a:t>Esant didesniam modelio parametrų skaičiui, PyTorch neuroniniai tinklai labiau prisimena pradinius mokymosi duomenis ir juos galima lengviau atskleisti.</a:t>
+            </a:r>
+          </a:p>
+          <a:p>
+            <a:pPr marL="342900" indent="-342900" algn="just">
+              <a:buFont typeface="Arial" panose="020B0604020202020204" pitchFamily="34" charset="0"/>
+              <a:buChar char="•"/>
+            </a:pPr>
+            <a:r>
+              <a:rPr lang="lt-LT" sz="2400" dirty="0">
+                <a:solidFill>
+                  <a:schemeClr val="accent3"/>
+                </a:solidFill>
                 <a:effectLst/>
                 <a:latin typeface="Calibri" panose="020F0502020204030204" pitchFamily="34" charset="0"/>
                 <a:cs typeface="Calibri" panose="020F0502020204030204" pitchFamily="34" charset="0"/>
               </a:rPr>
-              <a:t>, </a:t>
-            </a:r>
-            <a:r>
-              <a:rPr lang="en-US" sz="2400" dirty="0" err="1">
+              <a:t>Naudojant neuroninius tinklus be homomorfinio šifravimo ir modelio tikslumui esant daugiau nei 80%, rekomenduojama pridėti triukšmą prie pradinių modelio duomenų.</a:t>
+            </a:r>
+          </a:p>
+          <a:p>
+            <a:pPr marL="342900" indent="-342900" algn="just">
+              <a:buFont typeface="Arial" panose="020B0604020202020204" pitchFamily="34" charset="0"/>
+              <a:buChar char="•"/>
+            </a:pPr>
+            <a:r>
+              <a:rPr lang="lt-LT" sz="2400" dirty="0">
+                <a:solidFill>
+                  <a:schemeClr val="accent3"/>
+                </a:solidFill>
                 <a:effectLst/>
                 <a:latin typeface="Calibri" panose="020F0502020204030204" pitchFamily="34" charset="0"/>
                 <a:cs typeface="Calibri" panose="020F0502020204030204" pitchFamily="34" charset="0"/>
               </a:rPr>
-              <a:t>kad</a:t>
-            </a:r>
-            <a:r>
-              <a:rPr lang="en-US" sz="2400" dirty="0">
-                <a:effectLst/>
-                <a:latin typeface="Calibri" panose="020F0502020204030204" pitchFamily="34" charset="0"/>
-                <a:cs typeface="Calibri" panose="020F0502020204030204" pitchFamily="34" charset="0"/>
-              </a:rPr>
-              <a:t> </a:t>
-            </a:r>
-            <a:r>
-              <a:rPr lang="en-US" sz="2400" dirty="0" err="1">
-                <a:effectLst/>
-                <a:latin typeface="Calibri" panose="020F0502020204030204" pitchFamily="34" charset="0"/>
-                <a:cs typeface="Calibri" panose="020F0502020204030204" pitchFamily="34" charset="0"/>
-              </a:rPr>
-              <a:t>modelio</a:t>
-            </a:r>
-            <a:r>
-              <a:rPr lang="en-US" sz="2400" dirty="0">
-                <a:effectLst/>
-                <a:latin typeface="Calibri" panose="020F0502020204030204" pitchFamily="34" charset="0"/>
-                <a:cs typeface="Calibri" panose="020F0502020204030204" pitchFamily="34" charset="0"/>
-              </a:rPr>
-              <a:t> </a:t>
-            </a:r>
-            <a:r>
-              <a:rPr lang="en-US" sz="2400" dirty="0" err="1">
-                <a:effectLst/>
-                <a:latin typeface="Calibri" panose="020F0502020204030204" pitchFamily="34" charset="0"/>
-                <a:cs typeface="Calibri" panose="020F0502020204030204" pitchFamily="34" charset="0"/>
-              </a:rPr>
-              <a:t>tikslumas</a:t>
-            </a:r>
-            <a:r>
-              <a:rPr lang="en-US" sz="2400" dirty="0">
-                <a:effectLst/>
-                <a:latin typeface="Calibri" panose="020F0502020204030204" pitchFamily="34" charset="0"/>
-                <a:cs typeface="Calibri" panose="020F0502020204030204" pitchFamily="34" charset="0"/>
-              </a:rPr>
-              <a:t> bus </a:t>
-            </a:r>
-            <a:r>
-              <a:rPr lang="en-US" sz="2400" dirty="0" err="1">
-                <a:effectLst/>
-                <a:latin typeface="Calibri" panose="020F0502020204030204" pitchFamily="34" charset="0"/>
-                <a:cs typeface="Calibri" panose="020F0502020204030204" pitchFamily="34" charset="0"/>
-              </a:rPr>
-              <a:t>aušktas</a:t>
-            </a:r>
-            <a:r>
-              <a:rPr lang="en-US" sz="2400" dirty="0">
-                <a:effectLst/>
-                <a:latin typeface="Calibri" panose="020F0502020204030204" pitchFamily="34" charset="0"/>
-                <a:cs typeface="Calibri" panose="020F0502020204030204" pitchFamily="34" charset="0"/>
-              </a:rPr>
-              <a:t>, </a:t>
-            </a:r>
-            <a:r>
-              <a:rPr lang="en-US" sz="2400" dirty="0" err="1">
-                <a:effectLst/>
-                <a:latin typeface="Calibri" panose="020F0502020204030204" pitchFamily="34" charset="0"/>
-                <a:cs typeface="Calibri" panose="020F0502020204030204" pitchFamily="34" charset="0"/>
-              </a:rPr>
-              <a:t>reikia</a:t>
-            </a:r>
-            <a:r>
-              <a:rPr lang="en-US" sz="2400" dirty="0">
-                <a:effectLst/>
-                <a:latin typeface="Calibri" panose="020F0502020204030204" pitchFamily="34" charset="0"/>
-                <a:cs typeface="Calibri" panose="020F0502020204030204" pitchFamily="34" charset="0"/>
-              </a:rPr>
-              <a:t> </a:t>
-            </a:r>
-            <a:r>
-              <a:rPr lang="en-US" sz="2400" dirty="0" err="1">
-                <a:effectLst/>
-                <a:latin typeface="Calibri" panose="020F0502020204030204" pitchFamily="34" charset="0"/>
-                <a:cs typeface="Calibri" panose="020F0502020204030204" pitchFamily="34" charset="0"/>
-              </a:rPr>
-              <a:t>naudoti</a:t>
-            </a:r>
-            <a:r>
-              <a:rPr lang="en-US" sz="2400" dirty="0">
-                <a:effectLst/>
-                <a:latin typeface="Calibri" panose="020F0502020204030204" pitchFamily="34" charset="0"/>
-                <a:cs typeface="Calibri" panose="020F0502020204030204" pitchFamily="34" charset="0"/>
-              </a:rPr>
-              <a:t> </a:t>
-            </a:r>
-            <a:r>
-              <a:rPr lang="en-US" sz="2400" dirty="0" err="1">
-                <a:effectLst/>
-                <a:latin typeface="Calibri" panose="020F0502020204030204" pitchFamily="34" charset="0"/>
-                <a:cs typeface="Calibri" panose="020F0502020204030204" pitchFamily="34" charset="0"/>
-              </a:rPr>
-              <a:t>homomorfinį</a:t>
-            </a:r>
-            <a:r>
-              <a:rPr lang="en-US" sz="2400" dirty="0">
-                <a:effectLst/>
-                <a:latin typeface="Calibri" panose="020F0502020204030204" pitchFamily="34" charset="0"/>
-                <a:cs typeface="Calibri" panose="020F0502020204030204" pitchFamily="34" charset="0"/>
-              </a:rPr>
-              <a:t> </a:t>
-            </a:r>
-            <a:r>
-              <a:rPr lang="en-US" sz="2400" dirty="0" err="1">
-                <a:effectLst/>
-                <a:latin typeface="Calibri" panose="020F0502020204030204" pitchFamily="34" charset="0"/>
-                <a:cs typeface="Calibri" panose="020F0502020204030204" pitchFamily="34" charset="0"/>
-              </a:rPr>
-              <a:t>šifravimą</a:t>
-            </a:r>
-            <a:r>
-              <a:rPr lang="en-US" sz="2400" dirty="0">
-                <a:effectLst/>
-                <a:latin typeface="Calibri" panose="020F0502020204030204" pitchFamily="34" charset="0"/>
-                <a:cs typeface="Calibri" panose="020F0502020204030204" pitchFamily="34" charset="0"/>
-              </a:rPr>
-              <a:t>. </a:t>
-            </a:r>
-            <a:r>
-              <a:rPr lang="en-US" sz="2400" dirty="0" err="1">
-                <a:effectLst/>
-                <a:latin typeface="Calibri" panose="020F0502020204030204" pitchFamily="34" charset="0"/>
-                <a:cs typeface="Calibri" panose="020F0502020204030204" pitchFamily="34" charset="0"/>
-              </a:rPr>
-              <a:t>Tikintismažesnio</a:t>
-            </a:r>
-            <a:r>
-              <a:rPr lang="en-US" sz="2400" dirty="0">
-                <a:effectLst/>
-                <a:latin typeface="Calibri" panose="020F0502020204030204" pitchFamily="34" charset="0"/>
-                <a:cs typeface="Calibri" panose="020F0502020204030204" pitchFamily="34" charset="0"/>
-              </a:rPr>
-              <a:t> </a:t>
-            </a:r>
-            <a:r>
-              <a:rPr lang="en-US" sz="2400" dirty="0" err="1">
-                <a:effectLst/>
-                <a:latin typeface="Calibri" panose="020F0502020204030204" pitchFamily="34" charset="0"/>
-                <a:cs typeface="Calibri" panose="020F0502020204030204" pitchFamily="34" charset="0"/>
-              </a:rPr>
-              <a:t>modelio</a:t>
-            </a:r>
-            <a:r>
-              <a:rPr lang="en-US" sz="2400" dirty="0">
-                <a:effectLst/>
-                <a:latin typeface="Calibri" panose="020F0502020204030204" pitchFamily="34" charset="0"/>
-                <a:cs typeface="Calibri" panose="020F0502020204030204" pitchFamily="34" charset="0"/>
-              </a:rPr>
-              <a:t> </a:t>
-            </a:r>
-            <a:r>
-              <a:rPr lang="en-US" sz="2400" dirty="0" err="1">
-                <a:effectLst/>
-                <a:latin typeface="Calibri" panose="020F0502020204030204" pitchFamily="34" charset="0"/>
-                <a:cs typeface="Calibri" panose="020F0502020204030204" pitchFamily="34" charset="0"/>
-              </a:rPr>
-              <a:t>tikslumo</a:t>
-            </a:r>
-            <a:r>
-              <a:rPr lang="en-US" sz="2400" dirty="0">
-                <a:effectLst/>
-                <a:latin typeface="Calibri" panose="020F0502020204030204" pitchFamily="34" charset="0"/>
-                <a:cs typeface="Calibri" panose="020F0502020204030204" pitchFamily="34" charset="0"/>
-              </a:rPr>
-              <a:t>, </a:t>
-            </a:r>
-            <a:r>
-              <a:rPr lang="en-US" sz="2400" dirty="0" err="1">
-                <a:effectLst/>
-                <a:latin typeface="Calibri" panose="020F0502020204030204" pitchFamily="34" charset="0"/>
-                <a:cs typeface="Calibri" panose="020F0502020204030204" pitchFamily="34" charset="0"/>
-              </a:rPr>
-              <a:t>reikia</a:t>
-            </a:r>
-            <a:r>
-              <a:rPr lang="en-US" sz="2400" dirty="0">
-                <a:effectLst/>
-                <a:latin typeface="Calibri" panose="020F0502020204030204" pitchFamily="34" charset="0"/>
-                <a:cs typeface="Calibri" panose="020F0502020204030204" pitchFamily="34" charset="0"/>
-              </a:rPr>
-              <a:t> </a:t>
-            </a:r>
-            <a:r>
-              <a:rPr lang="en-US" sz="2400" dirty="0" err="1">
-                <a:effectLst/>
-                <a:latin typeface="Calibri" panose="020F0502020204030204" pitchFamily="34" charset="0"/>
-                <a:cs typeface="Calibri" panose="020F0502020204030204" pitchFamily="34" charset="0"/>
-              </a:rPr>
-              <a:t>naudoti</a:t>
-            </a:r>
-            <a:r>
-              <a:rPr lang="en-US" sz="2400" dirty="0">
-                <a:effectLst/>
-                <a:latin typeface="Calibri" panose="020F0502020204030204" pitchFamily="34" charset="0"/>
-                <a:cs typeface="Calibri" panose="020F0502020204030204" pitchFamily="34" charset="0"/>
-              </a:rPr>
-              <a:t> PyTorch </a:t>
-            </a:r>
-            <a:r>
-              <a:rPr lang="en-US" sz="2400" dirty="0" err="1">
-                <a:effectLst/>
-                <a:latin typeface="Calibri" panose="020F0502020204030204" pitchFamily="34" charset="0"/>
-                <a:cs typeface="Calibri" panose="020F0502020204030204" pitchFamily="34" charset="0"/>
-              </a:rPr>
-              <a:t>neuroninius</a:t>
-            </a:r>
-            <a:r>
-              <a:rPr lang="en-US" sz="2400" dirty="0">
-                <a:effectLst/>
-                <a:latin typeface="Calibri" panose="020F0502020204030204" pitchFamily="34" charset="0"/>
-                <a:cs typeface="Calibri" panose="020F0502020204030204" pitchFamily="34" charset="0"/>
-              </a:rPr>
-              <a:t> </a:t>
-            </a:r>
-            <a:r>
-              <a:rPr lang="en-US" sz="2400" dirty="0" err="1">
-                <a:effectLst/>
-                <a:latin typeface="Calibri" panose="020F0502020204030204" pitchFamily="34" charset="0"/>
-                <a:cs typeface="Calibri" panose="020F0502020204030204" pitchFamily="34" charset="0"/>
-              </a:rPr>
-              <a:t>tinklus</a:t>
-            </a:r>
-            <a:r>
-              <a:rPr lang="en-US" sz="2400" dirty="0">
-                <a:effectLst/>
-                <a:latin typeface="Calibri" panose="020F0502020204030204" pitchFamily="34" charset="0"/>
-                <a:cs typeface="Calibri" panose="020F0502020204030204" pitchFamily="34" charset="0"/>
-              </a:rPr>
-              <a:t>.</a:t>
-            </a:r>
-            <a:endParaRPr lang="lt-LT" sz="2400" dirty="0">
-              <a:effectLst/>
-              <a:latin typeface="Calibri" panose="020F0502020204030204" pitchFamily="34" charset="0"/>
-              <a:cs typeface="Calibri" panose="020F0502020204030204" pitchFamily="34" charset="0"/>
-            </a:endParaRPr>
-          </a:p>
-          <a:p>
-            <a:pPr algn="just"/>
-            <a:endParaRPr lang="lt-LT" sz="2400" dirty="0">
-              <a:latin typeface="Calibri" panose="020F0502020204030204" pitchFamily="34" charset="0"/>
-              <a:cs typeface="Calibri" panose="020F0502020204030204" pitchFamily="34" charset="0"/>
-            </a:endParaRPr>
-          </a:p>
-          <a:p>
-            <a:pPr algn="just"/>
-            <a:r>
-              <a:rPr lang="lt-LT" sz="2400" dirty="0">
-                <a:effectLst/>
-                <a:latin typeface="Calibri" panose="020F0502020204030204" pitchFamily="34" charset="0"/>
-                <a:cs typeface="Calibri" panose="020F0502020204030204" pitchFamily="34" charset="0"/>
-              </a:rPr>
-              <a:t>Esant didesniam modelio parametrų skaičiui, PyTorch neuroniniai tinklai yra labiau </a:t>
-            </a:r>
-            <a:r>
-              <a:rPr lang="lt-LT" sz="2400" dirty="0" err="1">
-                <a:effectLst/>
-                <a:latin typeface="Calibri" panose="020F0502020204030204" pitchFamily="34" charset="0"/>
-                <a:cs typeface="Calibri" panose="020F0502020204030204" pitchFamily="34" charset="0"/>
-              </a:rPr>
-              <a:t>linkę“prisirišti</a:t>
-            </a:r>
-            <a:r>
-              <a:rPr lang="lt-LT" sz="2400" dirty="0">
-                <a:effectLst/>
-                <a:latin typeface="Calibri" panose="020F0502020204030204" pitchFamily="34" charset="0"/>
-                <a:cs typeface="Calibri" panose="020F0502020204030204" pitchFamily="34" charset="0"/>
-              </a:rPr>
-              <a:t>” prie pradinių duomenų.</a:t>
-            </a:r>
-          </a:p>
-          <a:p>
-            <a:pPr algn="just"/>
-            <a:endParaRPr lang="lt-LT" sz="2400" dirty="0">
-              <a:latin typeface="Calibri" panose="020F0502020204030204" pitchFamily="34" charset="0"/>
-              <a:cs typeface="Calibri" panose="020F0502020204030204" pitchFamily="34" charset="0"/>
-            </a:endParaRPr>
-          </a:p>
-          <a:p>
-            <a:pPr algn="just"/>
-            <a:r>
-              <a:rPr lang="lt-LT" sz="2400" dirty="0">
-                <a:effectLst/>
-                <a:latin typeface="Calibri" panose="020F0502020204030204" pitchFamily="34" charset="0"/>
-                <a:cs typeface="Calibri" panose="020F0502020204030204" pitchFamily="34" charset="0"/>
-              </a:rPr>
-              <a:t>Tikintis, kad bus naudojami neuroniniai tinklai be homomorfinio šifravimo ir tikimasi </a:t>
-            </a:r>
-            <a:r>
-              <a:rPr lang="lt-LT" sz="2400" dirty="0" err="1">
-                <a:effectLst/>
-                <a:latin typeface="Calibri" panose="020F0502020204030204" pitchFamily="34" charset="0"/>
-                <a:cs typeface="Calibri" panose="020F0502020204030204" pitchFamily="34" charset="0"/>
-              </a:rPr>
-              <a:t>dides-nio</a:t>
-            </a:r>
-            <a:r>
-              <a:rPr lang="lt-LT" sz="2400" dirty="0">
-                <a:effectLst/>
-                <a:latin typeface="Calibri" panose="020F0502020204030204" pitchFamily="34" charset="0"/>
-                <a:cs typeface="Calibri" panose="020F0502020204030204" pitchFamily="34" charset="0"/>
-              </a:rPr>
-              <a:t>, nei 80% modelio tikslumo, vertėtų pridėti triukšmą prie pradinių modelio duomenų.</a:t>
+              <a:t>Pradinių duomenų kiekis neturi įtakos modelio duomenų saugumui.</a:t>
             </a:r>
             <a:endParaRPr lang="en-US" sz="2400" dirty="0">
+              <a:solidFill>
+                <a:schemeClr val="accent3"/>
+              </a:solidFill>
               <a:latin typeface="Calibri" panose="020F0502020204030204" pitchFamily="34" charset="0"/>
               <a:cs typeface="Calibri" panose="020F0502020204030204" pitchFamily="34" charset="0"/>
             </a:endParaRPr>
@@ -9974,7 +9621,7 @@
 </p:sld>
 </file>
 
-<file path=ppt/slides/slide13.xml><?xml version="1.0" encoding="utf-8"?>
+<file path=ppt/slides/slide12.xml><?xml version="1.0" encoding="utf-8"?>
 <p:sld xmlns:a="http://schemas.openxmlformats.org/drawingml/2006/main" xmlns:r="http://schemas.openxmlformats.org/officeDocument/2006/relationships" xmlns:p="http://schemas.openxmlformats.org/presentationml/2006/main">
   <p:cSld>
     <p:spTree>
@@ -10254,7 +9901,7 @@
           <a:p>
             <a:r>
               <a:rPr lang="lt-LT" dirty="0"/>
-              <a:t>Tiriama sritis</a:t>
+              <a:t>Įvadas</a:t>
             </a:r>
             <a:endParaRPr lang="en-US" dirty="0"/>
           </a:p>
@@ -10345,7 +9992,7 @@
           <a:p>
             <a:r>
               <a:rPr lang="lt-LT" dirty="0"/>
-              <a:t>Problematika</a:t>
+              <a:t>Pagrindinė problema</a:t>
             </a:r>
             <a:endParaRPr lang="en-US" dirty="0"/>
           </a:p>
@@ -10368,12 +10015,9 @@
           </a:bodyPr>
           <a:lstStyle/>
           <a:p>
-            <a:pPr marL="342900" indent="-342900">
-              <a:buFont typeface="+mj-lt"/>
-              <a:buAutoNum type="arabicPeriod"/>
-            </a:pPr>
-            <a:r>
-              <a:rPr lang="lt-LT" dirty="0">
+            <a:pPr algn="just"/>
+            <a:r>
+              <a:rPr lang="lt-LT" sz="2600" dirty="0">
                 <a:solidFill>
                   <a:schemeClr val="accent3"/>
                 </a:solidFill>
@@ -10385,7 +10029,7 @@
               <a:t>Turint sukurtą modelį, neturi būti galima atgaminti duomenų, pagal kuriuos jis buvo mokomas, bei negali būti identifikuoti asmenys. </a:t>
             </a:r>
             <a:r>
-              <a:rPr lang="en-US" dirty="0">
+              <a:rPr lang="en-US" sz="2600" dirty="0">
                 <a:solidFill>
                   <a:schemeClr val="accent3"/>
                 </a:solidFill>
@@ -10395,81 +10039,72 @@
               </a:rPr>
               <a:t>[1]</a:t>
             </a:r>
-            <a:endParaRPr lang="lt-LT" dirty="0">
+            <a:endParaRPr lang="lt-LT" sz="2600" dirty="0">
               <a:solidFill>
                 <a:schemeClr val="accent3"/>
               </a:solidFill>
               <a:effectLst/>
               <a:latin typeface="Calibri" panose="020F0502020204030204" pitchFamily="34" charset="0"/>
-              <a:ea typeface="Calibri" panose="020F0502020204030204" pitchFamily="34" charset="0"/>
               <a:cs typeface="Calibri" panose="020F0502020204030204" pitchFamily="34" charset="0"/>
             </a:endParaRPr>
           </a:p>
           <a:p>
-            <a:pPr marL="342900" indent="-342900">
-              <a:buFont typeface="+mj-lt"/>
-              <a:buAutoNum type="arabicPeriod"/>
-            </a:pPr>
-            <a:r>
-              <a:rPr lang="lt-LT" dirty="0">
-                <a:solidFill>
-                  <a:schemeClr val="accent3"/>
-                </a:solidFill>
-                <a:effectLst/>
-                <a:latin typeface="Calibri" panose="020F0502020204030204" pitchFamily="34" charset="0"/>
-                <a:ea typeface="Calibri" panose="020F0502020204030204" pitchFamily="34" charset="0"/>
-                <a:cs typeface="Times New Roman" panose="02020603050405020304" pitchFamily="18" charset="0"/>
-              </a:rPr>
-              <a:t>Trečios šalys neturi matyti įvedamų duomenų. Tai gali būti tinklo saugumo spragos, duomenų surinkimo aplikacijų spragos ir t.t…</a:t>
-            </a:r>
-          </a:p>
-          <a:p>
-            <a:pPr marL="342900" indent="-342900">
-              <a:buFont typeface="+mj-lt"/>
-              <a:buAutoNum type="arabicPeriod"/>
-            </a:pPr>
-            <a:r>
-              <a:rPr lang="lt-LT" dirty="0">
-                <a:solidFill>
-                  <a:schemeClr val="accent3"/>
-                </a:solidFill>
-                <a:effectLst/>
-                <a:latin typeface="Calibri" panose="020F0502020204030204" pitchFamily="34" charset="0"/>
-                <a:ea typeface="Calibri" panose="020F0502020204030204" pitchFamily="34" charset="0"/>
-                <a:cs typeface="Times New Roman" panose="02020603050405020304" pitchFamily="18" charset="0"/>
-              </a:rPr>
-              <a:t>Modelio išvesties neturi matyti asmenys, kuriems šie duomenys nepriklauso.</a:t>
-            </a:r>
-            <a:endParaRPr lang="lt-LT" dirty="0">
+            <a:endParaRPr lang="lt-LT" sz="2600" dirty="0">
               <a:solidFill>
                 <a:schemeClr val="accent3"/>
               </a:solidFill>
               <a:latin typeface="Calibri" panose="020F0502020204030204" pitchFamily="34" charset="0"/>
-              <a:ea typeface="Calibri" panose="020F0502020204030204" pitchFamily="34" charset="0"/>
-              <a:cs typeface="Times New Roman" panose="02020603050405020304" pitchFamily="18" charset="0"/>
+              <a:cs typeface="Calibri" panose="020F0502020204030204" pitchFamily="34" charset="0"/>
             </a:endParaRPr>
           </a:p>
           <a:p>
-            <a:pPr marL="342900" indent="-342900">
-              <a:buFont typeface="+mj-lt"/>
-              <a:buAutoNum type="arabicPeriod"/>
-            </a:pPr>
-            <a:r>
-              <a:rPr lang="lt-LT" dirty="0">
-                <a:solidFill>
-                  <a:schemeClr val="accent3"/>
-                </a:solidFill>
-                <a:effectLst/>
+            <a:r>
+              <a:rPr lang="lt-LT" sz="2600" b="1" dirty="0">
+                <a:solidFill>
+                  <a:schemeClr val="accent3"/>
+                </a:solidFill>
                 <a:latin typeface="Calibri" panose="020F0502020204030204" pitchFamily="34" charset="0"/>
-                <a:ea typeface="Calibri" panose="020F0502020204030204" pitchFamily="34" charset="0"/>
-                <a:cs typeface="Times New Roman" panose="02020603050405020304" pitchFamily="18" charset="0"/>
-              </a:rPr>
-              <a:t>Sukurtas modelis negali būti niekieno pasisavintas. </a:t>
-            </a:r>
-            <a:endParaRPr lang="en-US" dirty="0">
+                <a:cs typeface="Calibri" panose="020F0502020204030204" pitchFamily="34" charset="0"/>
+              </a:rPr>
+              <a:t>Problemos pavyzdys:</a:t>
+            </a:r>
+            <a:r>
+              <a:rPr lang="lt-LT" sz="2600" dirty="0">
+                <a:solidFill>
+                  <a:schemeClr val="accent3"/>
+                </a:solidFill>
+                <a:latin typeface="Calibri" panose="020F0502020204030204" pitchFamily="34" charset="0"/>
+                <a:cs typeface="Calibri" panose="020F0502020204030204" pitchFamily="34" charset="0"/>
+              </a:rPr>
+              <a:t> teksto atpažinimo modelis. </a:t>
+            </a:r>
+          </a:p>
+          <a:p>
+            <a:r>
+              <a:rPr lang="lt-LT" sz="2600" dirty="0">
+                <a:solidFill>
+                  <a:schemeClr val="accent3"/>
+                </a:solidFill>
+                <a:latin typeface="Calibri" panose="020F0502020204030204" pitchFamily="34" charset="0"/>
+                <a:cs typeface="Calibri" panose="020F0502020204030204" pitchFamily="34" charset="0"/>
+              </a:rPr>
+              <a:t>Gali būti atskleisti privatūs duomenys.</a:t>
+            </a:r>
+            <a:endParaRPr lang="en-US" sz="2600" dirty="0">
               <a:solidFill>
                 <a:schemeClr val="accent3"/>
               </a:solidFill>
+              <a:latin typeface="Calibri" panose="020F0502020204030204" pitchFamily="34" charset="0"/>
+              <a:cs typeface="Calibri" panose="020F0502020204030204" pitchFamily="34" charset="0"/>
+            </a:endParaRPr>
+          </a:p>
+          <a:p>
+            <a:endParaRPr lang="lt-LT" sz="2600" dirty="0">
+              <a:solidFill>
+                <a:schemeClr val="accent3"/>
+              </a:solidFill>
+              <a:latin typeface="Calibri" panose="020F0502020204030204" pitchFamily="34" charset="0"/>
+              <a:cs typeface="Calibri" panose="020F0502020204030204" pitchFamily="34" charset="0"/>
             </a:endParaRPr>
           </a:p>
         </p:txBody>
@@ -12120,18 +11755,49 @@
                                       </m:ctrlPr>
                                     </m:dPr>
                                     <m:e>
-                                      <m:r>
-                                        <a:rPr lang="lt-LT" sz="1800" i="1">
-                                          <a:solidFill>
-                                            <a:schemeClr val="accent3"/>
-                                          </a:solidFill>
-                                          <a:effectLst/>
-                                          <a:latin typeface="Cambria Math" panose="02040503050406030204" pitchFamily="18" charset="0"/>
-                                          <a:ea typeface="Calibri" panose="020F0502020204030204" pitchFamily="34" charset="0"/>
-                                          <a:cs typeface="Times New Roman" panose="02020603050405020304" pitchFamily="18" charset="0"/>
-                                        </a:rPr>
-                                        <m:t>𝑚𝑎𝑥</m:t>
-                                      </m:r>
+                                      <m:sSub>
+                                        <m:sSubPr>
+                                          <m:ctrlPr>
+                                            <a:rPr lang="lt-LT" sz="1800" i="1" smtClean="0">
+                                              <a:solidFill>
+                                                <a:schemeClr val="accent3"/>
+                                              </a:solidFill>
+                                              <a:effectLst/>
+                                              <a:latin typeface="Cambria Math" panose="02040503050406030204" pitchFamily="18" charset="0"/>
+                                              <a:cs typeface="Times New Roman" panose="02020603050405020304" pitchFamily="18" charset="0"/>
+                                            </a:rPr>
+                                          </m:ctrlPr>
+                                        </m:sSubPr>
+                                        <m:e>
+                                          <m:r>
+                                            <a:rPr lang="lt-LT" sz="1800" i="1">
+                                              <a:solidFill>
+                                                <a:schemeClr val="accent3"/>
+                                              </a:solidFill>
+                                              <a:latin typeface="Cambria Math" panose="02040503050406030204" pitchFamily="18" charset="0"/>
+                                              <a:ea typeface="Calibri" panose="020F0502020204030204" pitchFamily="34" charset="0"/>
+                                              <a:cs typeface="Times New Roman" panose="02020603050405020304" pitchFamily="18" charset="0"/>
+                                            </a:rPr>
+                                            <m:t>𝑚𝑎𝑥</m:t>
+                                          </m:r>
+                                        </m:e>
+                                        <m:sub>
+                                          <m:r>
+                                            <m:rPr>
+                                              <m:sty m:val="p"/>
+                                            </m:rPr>
+                                            <a:rPr lang="lt-LT" sz="1800">
+                                              <a:solidFill>
+                                                <a:schemeClr val="accent3"/>
+                                              </a:solidFill>
+                                              <a:latin typeface="Cambria Math" panose="02040503050406030204" pitchFamily="18" charset="0"/>
+                                              <a:ea typeface="Calibri" panose="020F0502020204030204" pitchFamily="34" charset="0"/>
+                                              <a:cs typeface="Times New Roman" panose="02020603050405020304" pitchFamily="18" charset="0"/>
+                                            </a:rPr>
+                                            <m:t>ϵ</m:t>
+                                          </m:r>
+                                        </m:sub>
+                                      </m:sSub>
                                       <m:d>
                                         <m:dPr>
                                           <m:ctrlPr>
@@ -14235,7 +13901,7 @@
         </p:blipFill>
         <p:spPr>
           <a:xfrm>
-            <a:off x="330049" y="2708955"/>
+            <a:off x="320524" y="2270258"/>
             <a:ext cx="5668166" cy="3400900"/>
           </a:xfrm>
           <a:prstGeom prst="rect">
@@ -14271,7 +13937,7 @@
         </p:blipFill>
         <p:spPr>
           <a:xfrm>
-            <a:off x="6203311" y="2718482"/>
+            <a:off x="6193786" y="2279785"/>
             <a:ext cx="5658640" cy="3391373"/>
           </a:xfrm>
           <a:prstGeom prst="rect">
@@ -14279,6 +13945,121 @@
           </a:prstGeom>
         </p:spPr>
       </p:pic>
+      <p:sp>
+        <p:nvSpPr>
+          <p:cNvPr id="3" name="TextBox 2">
+            <a:extLst>
+              <a:ext uri="{FF2B5EF4-FFF2-40B4-BE49-F238E27FC236}">
+                <a16:creationId xmlns:a16="http://schemas.microsoft.com/office/drawing/2014/main" id="{899DA46D-055F-4DAF-B90F-CDD72EA9E706}"/>
+              </a:ext>
+            </a:extLst>
+          </p:cNvPr>
+          <p:cNvSpPr txBox="1"/>
+          <p:nvPr/>
+        </p:nvSpPr>
+        <p:spPr>
+          <a:xfrm>
+            <a:off x="320524" y="6013938"/>
+            <a:ext cx="11531902" cy="707886"/>
+          </a:xfrm>
+          <a:prstGeom prst="rect">
+            <a:avLst/>
+          </a:prstGeom>
+          <a:noFill/>
+        </p:spPr>
+        <p:txBody>
+          <a:bodyPr wrap="square" rtlCol="0">
+            <a:spAutoFit/>
+          </a:bodyPr>
+          <a:lstStyle/>
+          <a:p>
+            <a:r>
+              <a:rPr lang="lt-LT" sz="2000" dirty="0">
+                <a:solidFill>
+                  <a:schemeClr val="accent3"/>
+                </a:solidFill>
+                <a:latin typeface="Arial" panose="020B0604020202020204" pitchFamily="34" charset="0"/>
+              </a:rPr>
+              <a:t>P</a:t>
+            </a:r>
+            <a:r>
+              <a:rPr lang="lt-LT" sz="2000" dirty="0">
+                <a:solidFill>
+                  <a:schemeClr val="accent3"/>
+                </a:solidFill>
+                <a:effectLst/>
+                <a:latin typeface="Arial" panose="020B0604020202020204" pitchFamily="34" charset="0"/>
+              </a:rPr>
+              <a:t>agal </a:t>
+            </a:r>
+            <a:r>
+              <a:rPr lang="lt-LT" sz="2000" dirty="0" err="1">
+                <a:solidFill>
+                  <a:schemeClr val="accent3"/>
+                </a:solidFill>
+                <a:effectLst/>
+                <a:latin typeface="Arial" panose="020B0604020202020204" pitchFamily="34" charset="0"/>
+              </a:rPr>
+              <a:t>Spearman</a:t>
+            </a:r>
+            <a:r>
+              <a:rPr lang="lt-LT" sz="2000" dirty="0">
+                <a:solidFill>
+                  <a:schemeClr val="accent3"/>
+                </a:solidFill>
+                <a:effectLst/>
+                <a:latin typeface="Arial" panose="020B0604020202020204" pitchFamily="34" charset="0"/>
+              </a:rPr>
+              <a:t> koreliacijos tikrinimo metodą, koreliacija yra 0.6978022, </a:t>
+            </a:r>
+            <a:r>
+              <a:rPr lang="lt-LT" sz="2000" b="1" dirty="0">
+                <a:solidFill>
+                  <a:schemeClr val="accent3"/>
+                </a:solidFill>
+                <a:effectLst/>
+                <a:latin typeface="Arial" panose="020B0604020202020204" pitchFamily="34" charset="0"/>
+              </a:rPr>
+              <a:t>vidutinio stiprumo statistinis ryšys</a:t>
+            </a:r>
+            <a:r>
+              <a:rPr lang="lt-LT" sz="2000" dirty="0">
+                <a:solidFill>
+                  <a:schemeClr val="accent3"/>
+                </a:solidFill>
+                <a:effectLst/>
+                <a:latin typeface="Arial" panose="020B0604020202020204" pitchFamily="34" charset="0"/>
+              </a:rPr>
+              <a:t>, p-reikšmė 3.661e-08 &lt; 0.05 - </a:t>
+            </a:r>
+            <a:r>
+              <a:rPr lang="lt-LT" sz="2000" b="1" dirty="0">
+                <a:solidFill>
+                  <a:schemeClr val="accent3"/>
+                </a:solidFill>
+                <a:effectLst/>
+                <a:latin typeface="Arial" panose="020B0604020202020204" pitchFamily="34" charset="0"/>
+              </a:rPr>
+              <a:t>statistiškai reikšminga</a:t>
+            </a:r>
+            <a:r>
+              <a:rPr lang="lt-LT" sz="2000" dirty="0">
+                <a:solidFill>
+                  <a:schemeClr val="accent3"/>
+                </a:solidFill>
+                <a:effectLst/>
+                <a:latin typeface="Arial" panose="020B0604020202020204" pitchFamily="34" charset="0"/>
+              </a:rPr>
+              <a:t>.</a:t>
+            </a:r>
+            <a:endParaRPr lang="en-US" sz="2000" dirty="0">
+              <a:solidFill>
+                <a:schemeClr val="accent3"/>
+              </a:solidFill>
+            </a:endParaRPr>
+          </a:p>
+        </p:txBody>
+      </p:sp>
     </p:spTree>
     <p:extLst>
       <p:ext uri="{BB962C8B-B14F-4D97-AF65-F5344CB8AC3E}">
@@ -14360,7 +14141,7 @@
         </p:blipFill>
         <p:spPr>
           <a:xfrm>
-            <a:off x="123826" y="2675690"/>
+            <a:off x="158996" y="2086605"/>
             <a:ext cx="6071242" cy="3434165"/>
           </a:xfrm>
           <a:prstGeom prst="rect">
@@ -14396,7 +14177,7 @@
         </p:blipFill>
         <p:spPr>
           <a:xfrm>
-            <a:off x="6286499" y="2675690"/>
+            <a:off x="6321669" y="2086605"/>
             <a:ext cx="5781675" cy="3434165"/>
           </a:xfrm>
           <a:prstGeom prst="rect">
@@ -14404,6 +14185,133 @@
           </a:prstGeom>
         </p:spPr>
       </p:pic>
+      <p:sp>
+        <p:nvSpPr>
+          <p:cNvPr id="6" name="TextBox 5">
+            <a:extLst>
+              <a:ext uri="{FF2B5EF4-FFF2-40B4-BE49-F238E27FC236}">
+                <a16:creationId xmlns:a16="http://schemas.microsoft.com/office/drawing/2014/main" id="{F8B4FCA2-7B51-44CC-8C92-AAB189289AE3}"/>
+              </a:ext>
+            </a:extLst>
+          </p:cNvPr>
+          <p:cNvSpPr txBox="1"/>
+          <p:nvPr/>
+        </p:nvSpPr>
+        <p:spPr>
+          <a:xfrm>
+            <a:off x="158996" y="5811715"/>
+            <a:ext cx="11531902" cy="707886"/>
+          </a:xfrm>
+          <a:prstGeom prst="rect">
+            <a:avLst/>
+          </a:prstGeom>
+          <a:noFill/>
+        </p:spPr>
+        <p:txBody>
+          <a:bodyPr wrap="square" rtlCol="0">
+            <a:spAutoFit/>
+          </a:bodyPr>
+          <a:lstStyle/>
+          <a:p>
+            <a:r>
+              <a:rPr lang="lt-LT" sz="2000" dirty="0">
+                <a:solidFill>
+                  <a:schemeClr val="accent3"/>
+                </a:solidFill>
+                <a:latin typeface="Arial" panose="020B0604020202020204" pitchFamily="34" charset="0"/>
+              </a:rPr>
+              <a:t>P</a:t>
+            </a:r>
+            <a:r>
+              <a:rPr lang="lt-LT" sz="2000" dirty="0">
+                <a:solidFill>
+                  <a:schemeClr val="accent3"/>
+                </a:solidFill>
+                <a:effectLst/>
+                <a:latin typeface="Arial" panose="020B0604020202020204" pitchFamily="34" charset="0"/>
+              </a:rPr>
+              <a:t>agal </a:t>
+            </a:r>
+            <a:r>
+              <a:rPr lang="lt-LT" sz="2000" dirty="0" err="1">
+                <a:solidFill>
+                  <a:schemeClr val="accent3"/>
+                </a:solidFill>
+                <a:effectLst/>
+                <a:latin typeface="Arial" panose="020B0604020202020204" pitchFamily="34" charset="0"/>
+              </a:rPr>
+              <a:t>Spearman</a:t>
+            </a:r>
+            <a:r>
+              <a:rPr lang="lt-LT" sz="2000" dirty="0">
+                <a:solidFill>
+                  <a:schemeClr val="accent3"/>
+                </a:solidFill>
+                <a:effectLst/>
+                <a:latin typeface="Arial" panose="020B0604020202020204" pitchFamily="34" charset="0"/>
+              </a:rPr>
+              <a:t> koreliacijos tikrinimo metodą, koreliacija yra 0.8969792, </a:t>
+            </a:r>
+            <a:r>
+              <a:rPr lang="lt-LT" sz="2000" b="1" dirty="0">
+                <a:solidFill>
+                  <a:schemeClr val="accent3"/>
+                </a:solidFill>
+                <a:effectLst/>
+                <a:latin typeface="Arial" panose="020B0604020202020204" pitchFamily="34" charset="0"/>
+              </a:rPr>
+              <a:t>stiprus statistinis ryšys</a:t>
+            </a:r>
+            <a:r>
+              <a:rPr lang="lt-LT" sz="2000" dirty="0">
+                <a:solidFill>
+                  <a:schemeClr val="accent3"/>
+                </a:solidFill>
+                <a:effectLst/>
+                <a:latin typeface="Arial" panose="020B0604020202020204" pitchFamily="34" charset="0"/>
+              </a:rPr>
+              <a:t>, </a:t>
+            </a:r>
+          </a:p>
+          <a:p>
+            <a:r>
+              <a:rPr lang="lt-LT" sz="2000" dirty="0">
+                <a:solidFill>
+                  <a:schemeClr val="accent3"/>
+                </a:solidFill>
+                <a:effectLst/>
+                <a:latin typeface="Arial" panose="020B0604020202020204" pitchFamily="34" charset="0"/>
+              </a:rPr>
+              <a:t>p-reikšmė 0.01033 &lt; 0.05 - </a:t>
+            </a:r>
+            <a:r>
+              <a:rPr lang="lt-LT" sz="2000" b="1" dirty="0">
+                <a:solidFill>
+                  <a:schemeClr val="accent3"/>
+                </a:solidFill>
+                <a:effectLst/>
+                <a:latin typeface="Arial" panose="020B0604020202020204" pitchFamily="34" charset="0"/>
+              </a:rPr>
+              <a:t>statistiškai reikšminga</a:t>
+            </a:r>
+            <a:r>
+              <a:rPr lang="lt-LT" sz="2000" dirty="0">
+                <a:solidFill>
+                  <a:schemeClr val="accent3"/>
+                </a:solidFill>
+                <a:effectLst/>
+                <a:latin typeface="Arial" panose="020B0604020202020204" pitchFamily="34" charset="0"/>
+              </a:rPr>
+              <a:t>.</a:t>
+            </a:r>
+            <a:endParaRPr lang="en-US" sz="2000" dirty="0">
+              <a:solidFill>
+                <a:schemeClr val="accent3"/>
+              </a:solidFill>
+            </a:endParaRPr>
+          </a:p>
+        </p:txBody>
+      </p:sp>
     </p:spTree>
     <p:extLst>
       <p:ext uri="{BB962C8B-B14F-4D97-AF65-F5344CB8AC3E}">

--- a/Straipsnis/Pristatymas.pptx
+++ b/Straipsnis/Pristatymas.pptx
@@ -11770,7 +11770,7 @@
                                         </m:sSubPr>
                                         <m:e>
                                           <m:r>
-                                            <a:rPr lang="lt-LT" sz="1800" i="1">
+                                            <a:rPr lang="lt-LT" sz="1800" i="1" smtClean="0">
                                               <a:solidFill>
                                                 <a:schemeClr val="accent3"/>
                                               </a:solidFill>
@@ -12637,8 +12637,8 @@
           </a:p>
         </p:txBody>
       </p:sp>
-      <mc:AlternateContent xmlns:mc="http://schemas.openxmlformats.org/markup-compatibility/2006" xmlns:a14="http://schemas.microsoft.com/office/drawing/2010/main">
-        <mc:Choice Requires="a14">
+      <mc:AlternateContent xmlns:mc="http://schemas.openxmlformats.org/markup-compatibility/2006">
+        <mc:Choice xmlns:a14="http://schemas.microsoft.com/office/drawing/2010/main" Requires="a14">
           <p:sp>
             <p:nvSpPr>
               <p:cNvPr id="12" name="TextBox 11">
@@ -12739,14 +12739,14 @@
                       <m:rPr>
                         <m:sty m:val="p"/>
                       </m:rPr>
-                      <a:rPr lang="lt-LT" b="0" i="0" smtClean="0">
+                      <a:rPr lang="en-US" b="0" i="0" smtClean="0">
                         <a:solidFill>
                           <a:schemeClr val="accent3"/>
                         </a:solidFill>
                         <a:effectLst/>
                         <a:latin typeface="Cambria Math" panose="02040503050406030204" pitchFamily="18" charset="0"/>
                       </a:rPr>
-                      <m:t>maksimalus</m:t>
+                      <m:t>galimas</m:t>
                     </m:r>
                     <m:r>
                       <a:rPr lang="lt-LT" b="0" i="0" smtClean="0">
@@ -12819,7 +12819,7 @@
             </p:txBody>
           </p:sp>
         </mc:Choice>
-        <mc:Fallback xmlns="">
+        <mc:Fallback>
           <p:sp>
             <p:nvSpPr>
               <p:cNvPr id="12" name="TextBox 11">

--- a/Straipsnis/Pristatymas.pptx
+++ b/Straipsnis/Pristatymas.pptx
@@ -9400,7 +9400,12 @@
             <p:ph type="title"/>
           </p:nvPr>
         </p:nvSpPr>
-        <p:spPr/>
+        <p:spPr>
+          <a:xfrm>
+            <a:off x="838200" y="1186842"/>
+            <a:ext cx="10837985" cy="1126868"/>
+          </a:xfrm>
+        </p:spPr>
         <p:txBody>
           <a:bodyPr>
             <a:normAutofit fontScale="90000"/>
@@ -9409,7 +9414,19 @@
           <a:p>
             <a:r>
               <a:rPr lang="lt-LT" dirty="0"/>
-              <a:t>PyTorch neuroninio tinklo tyrimas</a:t>
+              <a:t>PyTorch </a:t>
+            </a:r>
+            <a:r>
+              <a:rPr lang="en-US" dirty="0" err="1"/>
+              <a:t>karkaso</a:t>
+            </a:r>
+            <a:r>
+              <a:rPr lang="en-US" dirty="0"/>
+              <a:t> </a:t>
+            </a:r>
+            <a:r>
+              <a:rPr lang="lt-LT" dirty="0"/>
+              <a:t>neuroninio tinklo tyrimas</a:t>
             </a:r>
             <a:endParaRPr lang="en-US" dirty="0"/>
           </a:p>
@@ -9545,7 +9562,40 @@
                 <a:latin typeface="Calibri" panose="020F0502020204030204" pitchFamily="34" charset="0"/>
                 <a:cs typeface="Calibri" panose="020F0502020204030204" pitchFamily="34" charset="0"/>
               </a:rPr>
-              <a:t>Esant aukštam modelio tikslumui, rekomenduojama naudoti homomorfinį šifravimą. Esant mažesniam, nei 70% tikslumui, rekomenduojama naudoti PyTorch neuroninius tinklus.</a:t>
+              <a:t>Esant aukštam modelio tikslumui, rekomenduojama naudoti homomorfinį šifravimą. Esant mažesniam, nei 70% tikslumui, kai modelis priima &lt; 20 parametrų, rekomenduojama naudoti PyTorch </a:t>
+            </a:r>
+            <a:r>
+              <a:rPr lang="en-US" sz="2400" dirty="0" err="1">
+                <a:solidFill>
+                  <a:schemeClr val="accent3"/>
+                </a:solidFill>
+                <a:effectLst/>
+                <a:latin typeface="Calibri" panose="020F0502020204030204" pitchFamily="34" charset="0"/>
+                <a:cs typeface="Calibri" panose="020F0502020204030204" pitchFamily="34" charset="0"/>
+              </a:rPr>
+              <a:t>karkaso</a:t>
+            </a:r>
+            <a:r>
+              <a:rPr lang="en-US" sz="2400" dirty="0">
+                <a:solidFill>
+                  <a:schemeClr val="accent3"/>
+                </a:solidFill>
+                <a:effectLst/>
+                <a:latin typeface="Calibri" panose="020F0502020204030204" pitchFamily="34" charset="0"/>
+                <a:cs typeface="Calibri" panose="020F0502020204030204" pitchFamily="34" charset="0"/>
+              </a:rPr>
+              <a:t> </a:t>
+            </a:r>
+            <a:r>
+              <a:rPr lang="lt-LT" sz="2400" dirty="0">
+                <a:solidFill>
+                  <a:schemeClr val="accent3"/>
+                </a:solidFill>
+                <a:effectLst/>
+                <a:latin typeface="Calibri" panose="020F0502020204030204" pitchFamily="34" charset="0"/>
+                <a:cs typeface="Calibri" panose="020F0502020204030204" pitchFamily="34" charset="0"/>
+              </a:rPr>
+              <a:t>neuroninius tinklus.</a:t>
             </a:r>
           </a:p>
           <a:p>
@@ -9562,7 +9612,40 @@
                 <a:latin typeface="Calibri" panose="020F0502020204030204" pitchFamily="34" charset="0"/>
                 <a:cs typeface="Calibri" panose="020F0502020204030204" pitchFamily="34" charset="0"/>
               </a:rPr>
-              <a:t>Esant didesniam modelio parametrų skaičiui, PyTorch neuroniniai tinklai labiau prisimena pradinius mokymosi duomenis ir juos galima lengviau atskleisti.</a:t>
+              <a:t>Esant didesniam modelio parametrų skaičiui, PyTorch</a:t>
+            </a:r>
+            <a:r>
+              <a:rPr lang="en-US" sz="2400" dirty="0">
+                <a:solidFill>
+                  <a:schemeClr val="accent3"/>
+                </a:solidFill>
+                <a:effectLst/>
+                <a:latin typeface="Calibri" panose="020F0502020204030204" pitchFamily="34" charset="0"/>
+                <a:cs typeface="Calibri" panose="020F0502020204030204" pitchFamily="34" charset="0"/>
+              </a:rPr>
+              <a:t> </a:t>
+            </a:r>
+            <a:r>
+              <a:rPr lang="en-US" sz="2400" dirty="0" err="1">
+                <a:solidFill>
+                  <a:schemeClr val="accent3"/>
+                </a:solidFill>
+                <a:effectLst/>
+                <a:latin typeface="Calibri" panose="020F0502020204030204" pitchFamily="34" charset="0"/>
+                <a:cs typeface="Calibri" panose="020F0502020204030204" pitchFamily="34" charset="0"/>
+              </a:rPr>
+              <a:t>karkaso</a:t>
+            </a:r>
+            <a:r>
+              <a:rPr lang="lt-LT" sz="2400" dirty="0">
+                <a:solidFill>
+                  <a:schemeClr val="accent3"/>
+                </a:solidFill>
+                <a:effectLst/>
+                <a:latin typeface="Calibri" panose="020F0502020204030204" pitchFamily="34" charset="0"/>
+                <a:cs typeface="Calibri" panose="020F0502020204030204" pitchFamily="34" charset="0"/>
+              </a:rPr>
+              <a:t> neuroniniai tinklai labiau prisimena pradinius mokymosi duomenis ir juos galima lengviau atskleisti.</a:t>
             </a:r>
           </a:p>
           <a:p>
@@ -12637,8 +12720,8 @@
           </a:p>
         </p:txBody>
       </p:sp>
-      <mc:AlternateContent xmlns:mc="http://schemas.openxmlformats.org/markup-compatibility/2006">
-        <mc:Choice xmlns:a14="http://schemas.microsoft.com/office/drawing/2010/main" Requires="a14">
+      <mc:AlternateContent xmlns:mc="http://schemas.openxmlformats.org/markup-compatibility/2006" xmlns:a14="http://schemas.microsoft.com/office/drawing/2010/main">
+        <mc:Choice Requires="a14">
           <p:sp>
             <p:nvSpPr>
               <p:cNvPr id="12" name="TextBox 11">
@@ -12819,7 +12902,7 @@
             </p:txBody>
           </p:sp>
         </mc:Choice>
-        <mc:Fallback>
+        <mc:Fallback xmlns="">
           <p:sp>
             <p:nvSpPr>
               <p:cNvPr id="12" name="TextBox 11">
